--- a/fig/evaluation2.pptx
+++ b/fig/evaluation2.pptx
@@ -293,7 +293,7 @@
               <c:strCache>
                 <c:ptCount val="1"/>
                 <c:pt idx="0">
-                  <c:v>Recluse</c:v>
+                  <c:v>UPRESSO</c:v>
                 </c:pt>
               </c:strCache>
             </c:strRef>
@@ -371,11 +371,11 @@
         </c:dLbls>
         <c:gapWidth val="30"/>
         <c:overlap val="-9"/>
-        <c:axId val="1019500672"/>
-        <c:axId val="1019501216"/>
+        <c:axId val="-1003450560"/>
+        <c:axId val="-1003450016"/>
       </c:barChart>
       <c:catAx>
-        <c:axId val="1019500672"/>
+        <c:axId val="-1003450560"/>
         <c:scaling>
           <c:orientation val="minMax"/>
         </c:scaling>
@@ -412,7 +412,7 @@
             <a:endParaRPr lang="zh-CN"/>
           </a:p>
         </c:txPr>
-        <c:crossAx val="1019501216"/>
+        <c:crossAx val="-1003450016"/>
         <c:crosses val="autoZero"/>
         <c:auto val="1"/>
         <c:lblAlgn val="ctr"/>
@@ -420,7 +420,7 @@
         <c:noMultiLvlLbl val="0"/>
       </c:catAx>
       <c:valAx>
-        <c:axId val="1019501216"/>
+        <c:axId val="-1003450016"/>
         <c:scaling>
           <c:orientation val="minMax"/>
         </c:scaling>
@@ -470,7 +470,7 @@
             <a:endParaRPr lang="zh-CN"/>
           </a:p>
         </c:txPr>
-        <c:crossAx val="1019500672"/>
+        <c:crossAx val="-1003450560"/>
         <c:crosses val="autoZero"/>
         <c:crossBetween val="between"/>
       </c:valAx>
@@ -1283,7 +1283,7 @@
           <a:p>
             <a:fld id="{2EEC2C92-656E-4FE5-8C48-1B96565DA995}" type="datetimeFigureOut">
               <a:rPr lang="zh-CN" altLang="en-US" smtClean="0"/>
-              <a:t>2019/8/28</a:t>
+              <a:t>2020/2/21</a:t>
             </a:fld>
             <a:endParaRPr lang="zh-CN" altLang="en-US"/>
           </a:p>
@@ -1453,7 +1453,7 @@
           <a:p>
             <a:fld id="{2EEC2C92-656E-4FE5-8C48-1B96565DA995}" type="datetimeFigureOut">
               <a:rPr lang="zh-CN" altLang="en-US" smtClean="0"/>
-              <a:t>2019/8/28</a:t>
+              <a:t>2020/2/21</a:t>
             </a:fld>
             <a:endParaRPr lang="zh-CN" altLang="en-US"/>
           </a:p>
@@ -1633,7 +1633,7 @@
           <a:p>
             <a:fld id="{2EEC2C92-656E-4FE5-8C48-1B96565DA995}" type="datetimeFigureOut">
               <a:rPr lang="zh-CN" altLang="en-US" smtClean="0"/>
-              <a:t>2019/8/28</a:t>
+              <a:t>2020/2/21</a:t>
             </a:fld>
             <a:endParaRPr lang="zh-CN" altLang="en-US"/>
           </a:p>
@@ -1803,7 +1803,7 @@
           <a:p>
             <a:fld id="{2EEC2C92-656E-4FE5-8C48-1B96565DA995}" type="datetimeFigureOut">
               <a:rPr lang="zh-CN" altLang="en-US" smtClean="0"/>
-              <a:t>2019/8/28</a:t>
+              <a:t>2020/2/21</a:t>
             </a:fld>
             <a:endParaRPr lang="zh-CN" altLang="en-US"/>
           </a:p>
@@ -2049,7 +2049,7 @@
           <a:p>
             <a:fld id="{2EEC2C92-656E-4FE5-8C48-1B96565DA995}" type="datetimeFigureOut">
               <a:rPr lang="zh-CN" altLang="en-US" smtClean="0"/>
-              <a:t>2019/8/28</a:t>
+              <a:t>2020/2/21</a:t>
             </a:fld>
             <a:endParaRPr lang="zh-CN" altLang="en-US"/>
           </a:p>
@@ -2281,7 +2281,7 @@
           <a:p>
             <a:fld id="{2EEC2C92-656E-4FE5-8C48-1B96565DA995}" type="datetimeFigureOut">
               <a:rPr lang="zh-CN" altLang="en-US" smtClean="0"/>
-              <a:t>2019/8/28</a:t>
+              <a:t>2020/2/21</a:t>
             </a:fld>
             <a:endParaRPr lang="zh-CN" altLang="en-US"/>
           </a:p>
@@ -2648,7 +2648,7 @@
           <a:p>
             <a:fld id="{2EEC2C92-656E-4FE5-8C48-1B96565DA995}" type="datetimeFigureOut">
               <a:rPr lang="zh-CN" altLang="en-US" smtClean="0"/>
-              <a:t>2019/8/28</a:t>
+              <a:t>2020/2/21</a:t>
             </a:fld>
             <a:endParaRPr lang="zh-CN" altLang="en-US"/>
           </a:p>
@@ -2766,7 +2766,7 @@
           <a:p>
             <a:fld id="{2EEC2C92-656E-4FE5-8C48-1B96565DA995}" type="datetimeFigureOut">
               <a:rPr lang="zh-CN" altLang="en-US" smtClean="0"/>
-              <a:t>2019/8/28</a:t>
+              <a:t>2020/2/21</a:t>
             </a:fld>
             <a:endParaRPr lang="zh-CN" altLang="en-US"/>
           </a:p>
@@ -2861,7 +2861,7 @@
           <a:p>
             <a:fld id="{2EEC2C92-656E-4FE5-8C48-1B96565DA995}" type="datetimeFigureOut">
               <a:rPr lang="zh-CN" altLang="en-US" smtClean="0"/>
-              <a:t>2019/8/28</a:t>
+              <a:t>2020/2/21</a:t>
             </a:fld>
             <a:endParaRPr lang="zh-CN" altLang="en-US"/>
           </a:p>
@@ -3138,7 +3138,7 @@
           <a:p>
             <a:fld id="{2EEC2C92-656E-4FE5-8C48-1B96565DA995}" type="datetimeFigureOut">
               <a:rPr lang="zh-CN" altLang="en-US" smtClean="0"/>
-              <a:t>2019/8/28</a:t>
+              <a:t>2020/2/21</a:t>
             </a:fld>
             <a:endParaRPr lang="zh-CN" altLang="en-US"/>
           </a:p>
@@ -3391,7 +3391,7 @@
           <a:p>
             <a:fld id="{2EEC2C92-656E-4FE5-8C48-1B96565DA995}" type="datetimeFigureOut">
               <a:rPr lang="zh-CN" altLang="en-US" smtClean="0"/>
-              <a:t>2019/8/28</a:t>
+              <a:t>2020/2/21</a:t>
             </a:fld>
             <a:endParaRPr lang="zh-CN" altLang="en-US"/>
           </a:p>
@@ -3604,7 +3604,7 @@
           <a:p>
             <a:fld id="{2EEC2C92-656E-4FE5-8C48-1B96565DA995}" type="datetimeFigureOut">
               <a:rPr lang="zh-CN" altLang="en-US" smtClean="0"/>
-              <a:t>2019/8/28</a:t>
+              <a:t>2020/2/21</a:t>
             </a:fld>
             <a:endParaRPr lang="zh-CN" altLang="en-US"/>
           </a:p>
@@ -4016,7 +4016,7 @@
           <p:nvPr>
             <p:extLst>
               <p:ext uri="{D42A27DB-BD31-4B8C-83A1-F6EECF244321}">
-                <p14:modId xmlns:p14="http://schemas.microsoft.com/office/powerpoint/2010/main" val="181700022"/>
+                <p14:modId xmlns:p14="http://schemas.microsoft.com/office/powerpoint/2010/main" val="2956496243"/>
               </p:ext>
             </p:extLst>
           </p:nvPr>

--- a/fig/evaluation2.pptx
+++ b/fig/evaluation2.pptx
@@ -293,7 +293,7 @@
               <c:strCache>
                 <c:ptCount val="1"/>
                 <c:pt idx="0">
-                  <c:v>UPRESSO</c:v>
+                  <c:v>Recluse</c:v>
                 </c:pt>
               </c:strCache>
             </c:strRef>
@@ -343,7 +343,7 @@
                 <c:formatCode>General</c:formatCode>
                 <c:ptCount val="5"/>
                 <c:pt idx="0">
-                  <c:v>98</c:v>
+                  <c:v>144</c:v>
                 </c:pt>
                 <c:pt idx="1">
                   <c:v>38</c:v>
@@ -355,7 +355,7 @@
                   <c:v>58</c:v>
                 </c:pt>
                 <c:pt idx="4">
-                  <c:v>208</c:v>
+                  <c:v>254</c:v>
                 </c:pt>
               </c:numCache>
             </c:numRef>
@@ -371,11 +371,11 @@
         </c:dLbls>
         <c:gapWidth val="30"/>
         <c:overlap val="-9"/>
-        <c:axId val="-1003450560"/>
-        <c:axId val="-1003450016"/>
+        <c:axId val="1090880992"/>
+        <c:axId val="1090884256"/>
       </c:barChart>
       <c:catAx>
-        <c:axId val="-1003450560"/>
+        <c:axId val="1090880992"/>
         <c:scaling>
           <c:orientation val="minMax"/>
         </c:scaling>
@@ -412,7 +412,7 @@
             <a:endParaRPr lang="zh-CN"/>
           </a:p>
         </c:txPr>
-        <c:crossAx val="-1003450016"/>
+        <c:crossAx val="1090884256"/>
         <c:crosses val="autoZero"/>
         <c:auto val="1"/>
         <c:lblAlgn val="ctr"/>
@@ -420,7 +420,7 @@
         <c:noMultiLvlLbl val="0"/>
       </c:catAx>
       <c:valAx>
-        <c:axId val="-1003450016"/>
+        <c:axId val="1090884256"/>
         <c:scaling>
           <c:orientation val="minMax"/>
         </c:scaling>
@@ -470,7 +470,7 @@
             <a:endParaRPr lang="zh-CN"/>
           </a:p>
         </c:txPr>
-        <c:crossAx val="-1003450560"/>
+        <c:crossAx val="1090880992"/>
         <c:crosses val="autoZero"/>
         <c:crossBetween val="between"/>
       </c:valAx>
@@ -1283,7 +1283,7 @@
           <a:p>
             <a:fld id="{2EEC2C92-656E-4FE5-8C48-1B96565DA995}" type="datetimeFigureOut">
               <a:rPr lang="zh-CN" altLang="en-US" smtClean="0"/>
-              <a:t>2020/2/21</a:t>
+              <a:t>2020/2/28</a:t>
             </a:fld>
             <a:endParaRPr lang="zh-CN" altLang="en-US"/>
           </a:p>
@@ -1453,7 +1453,7 @@
           <a:p>
             <a:fld id="{2EEC2C92-656E-4FE5-8C48-1B96565DA995}" type="datetimeFigureOut">
               <a:rPr lang="zh-CN" altLang="en-US" smtClean="0"/>
-              <a:t>2020/2/21</a:t>
+              <a:t>2020/2/28</a:t>
             </a:fld>
             <a:endParaRPr lang="zh-CN" altLang="en-US"/>
           </a:p>
@@ -1633,7 +1633,7 @@
           <a:p>
             <a:fld id="{2EEC2C92-656E-4FE5-8C48-1B96565DA995}" type="datetimeFigureOut">
               <a:rPr lang="zh-CN" altLang="en-US" smtClean="0"/>
-              <a:t>2020/2/21</a:t>
+              <a:t>2020/2/28</a:t>
             </a:fld>
             <a:endParaRPr lang="zh-CN" altLang="en-US"/>
           </a:p>
@@ -1803,7 +1803,7 @@
           <a:p>
             <a:fld id="{2EEC2C92-656E-4FE5-8C48-1B96565DA995}" type="datetimeFigureOut">
               <a:rPr lang="zh-CN" altLang="en-US" smtClean="0"/>
-              <a:t>2020/2/21</a:t>
+              <a:t>2020/2/28</a:t>
             </a:fld>
             <a:endParaRPr lang="zh-CN" altLang="en-US"/>
           </a:p>
@@ -2049,7 +2049,7 @@
           <a:p>
             <a:fld id="{2EEC2C92-656E-4FE5-8C48-1B96565DA995}" type="datetimeFigureOut">
               <a:rPr lang="zh-CN" altLang="en-US" smtClean="0"/>
-              <a:t>2020/2/21</a:t>
+              <a:t>2020/2/28</a:t>
             </a:fld>
             <a:endParaRPr lang="zh-CN" altLang="en-US"/>
           </a:p>
@@ -2281,7 +2281,7 @@
           <a:p>
             <a:fld id="{2EEC2C92-656E-4FE5-8C48-1B96565DA995}" type="datetimeFigureOut">
               <a:rPr lang="zh-CN" altLang="en-US" smtClean="0"/>
-              <a:t>2020/2/21</a:t>
+              <a:t>2020/2/28</a:t>
             </a:fld>
             <a:endParaRPr lang="zh-CN" altLang="en-US"/>
           </a:p>
@@ -2648,7 +2648,7 @@
           <a:p>
             <a:fld id="{2EEC2C92-656E-4FE5-8C48-1B96565DA995}" type="datetimeFigureOut">
               <a:rPr lang="zh-CN" altLang="en-US" smtClean="0"/>
-              <a:t>2020/2/21</a:t>
+              <a:t>2020/2/28</a:t>
             </a:fld>
             <a:endParaRPr lang="zh-CN" altLang="en-US"/>
           </a:p>
@@ -2766,7 +2766,7 @@
           <a:p>
             <a:fld id="{2EEC2C92-656E-4FE5-8C48-1B96565DA995}" type="datetimeFigureOut">
               <a:rPr lang="zh-CN" altLang="en-US" smtClean="0"/>
-              <a:t>2020/2/21</a:t>
+              <a:t>2020/2/28</a:t>
             </a:fld>
             <a:endParaRPr lang="zh-CN" altLang="en-US"/>
           </a:p>
@@ -2861,7 +2861,7 @@
           <a:p>
             <a:fld id="{2EEC2C92-656E-4FE5-8C48-1B96565DA995}" type="datetimeFigureOut">
               <a:rPr lang="zh-CN" altLang="en-US" smtClean="0"/>
-              <a:t>2020/2/21</a:t>
+              <a:t>2020/2/28</a:t>
             </a:fld>
             <a:endParaRPr lang="zh-CN" altLang="en-US"/>
           </a:p>
@@ -3138,7 +3138,7 @@
           <a:p>
             <a:fld id="{2EEC2C92-656E-4FE5-8C48-1B96565DA995}" type="datetimeFigureOut">
               <a:rPr lang="zh-CN" altLang="en-US" smtClean="0"/>
-              <a:t>2020/2/21</a:t>
+              <a:t>2020/2/28</a:t>
             </a:fld>
             <a:endParaRPr lang="zh-CN" altLang="en-US"/>
           </a:p>
@@ -3391,7 +3391,7 @@
           <a:p>
             <a:fld id="{2EEC2C92-656E-4FE5-8C48-1B96565DA995}" type="datetimeFigureOut">
               <a:rPr lang="zh-CN" altLang="en-US" smtClean="0"/>
-              <a:t>2020/2/21</a:t>
+              <a:t>2020/2/28</a:t>
             </a:fld>
             <a:endParaRPr lang="zh-CN" altLang="en-US"/>
           </a:p>
@@ -3604,7 +3604,7 @@
           <a:p>
             <a:fld id="{2EEC2C92-656E-4FE5-8C48-1B96565DA995}" type="datetimeFigureOut">
               <a:rPr lang="zh-CN" altLang="en-US" smtClean="0"/>
-              <a:t>2020/2/21</a:t>
+              <a:t>2020/2/28</a:t>
             </a:fld>
             <a:endParaRPr lang="zh-CN" altLang="en-US"/>
           </a:p>
@@ -4016,7 +4016,7 @@
           <p:nvPr>
             <p:extLst>
               <p:ext uri="{D42A27DB-BD31-4B8C-83A1-F6EECF244321}">
-                <p14:modId xmlns:p14="http://schemas.microsoft.com/office/powerpoint/2010/main" val="2956496243"/>
+                <p14:modId xmlns:p14="http://schemas.microsoft.com/office/powerpoint/2010/main" val="4212464884"/>
               </p:ext>
             </p:extLst>
           </p:nvPr>

--- a/fig/evaluation2.pptx
+++ b/fig/evaluation2.pptx
@@ -163,16 +163,16 @@
               <c:strCache>
                 <c:ptCount val="5"/>
                 <c:pt idx="0">
-                  <c:v>Authentication Request Initiation</c:v>
+                  <c:v>Identity proof requesting</c:v>
                 </c:pt>
                 <c:pt idx="1">
-                  <c:v>Identity Proof Generation</c:v>
+                  <c:v>Identity proof generation</c:v>
                 </c:pt>
                 <c:pt idx="2">
-                  <c:v>Identity Proof Transmitting</c:v>
+                  <c:v>Identity proof extraction</c:v>
                 </c:pt>
                 <c:pt idx="3">
-                  <c:v>Identity Proof Verification</c:v>
+                  <c:v>Identity proof verification</c:v>
                 </c:pt>
                 <c:pt idx="4">
                   <c:v>Total</c:v>
@@ -242,16 +242,16 @@
               <c:strCache>
                 <c:ptCount val="5"/>
                 <c:pt idx="0">
-                  <c:v>Authentication Request Initiation</c:v>
+                  <c:v>Identity proof requesting</c:v>
                 </c:pt>
                 <c:pt idx="1">
-                  <c:v>Identity Proof Generation</c:v>
+                  <c:v>Identity proof generation</c:v>
                 </c:pt>
                 <c:pt idx="2">
-                  <c:v>Identity Proof Transmitting</c:v>
+                  <c:v>Identity proof extraction</c:v>
                 </c:pt>
                 <c:pt idx="3">
-                  <c:v>Identity Proof Verification</c:v>
+                  <c:v>Identity proof verification</c:v>
                 </c:pt>
                 <c:pt idx="4">
                   <c:v>Total</c:v>
@@ -293,7 +293,7 @@
               <c:strCache>
                 <c:ptCount val="1"/>
                 <c:pt idx="0">
-                  <c:v>Recluse</c:v>
+                  <c:v>UPPRESSO</c:v>
                 </c:pt>
               </c:strCache>
             </c:strRef>
@@ -319,16 +319,16 @@
               <c:strCache>
                 <c:ptCount val="5"/>
                 <c:pt idx="0">
-                  <c:v>Authentication Request Initiation</c:v>
+                  <c:v>Identity proof requesting</c:v>
                 </c:pt>
                 <c:pt idx="1">
-                  <c:v>Identity Proof Generation</c:v>
+                  <c:v>Identity proof generation</c:v>
                 </c:pt>
                 <c:pt idx="2">
-                  <c:v>Identity Proof Transmitting</c:v>
+                  <c:v>Identity proof extraction</c:v>
                 </c:pt>
                 <c:pt idx="3">
-                  <c:v>Identity Proof Verification</c:v>
+                  <c:v>Identity proof verification</c:v>
                 </c:pt>
                 <c:pt idx="4">
                   <c:v>Total</c:v>
@@ -371,11 +371,11 @@
         </c:dLbls>
         <c:gapWidth val="30"/>
         <c:overlap val="-9"/>
-        <c:axId val="1090880992"/>
-        <c:axId val="1090884256"/>
+        <c:axId val="-442460384"/>
+        <c:axId val="-442471264"/>
       </c:barChart>
       <c:catAx>
-        <c:axId val="1090880992"/>
+        <c:axId val="-442460384"/>
         <c:scaling>
           <c:orientation val="minMax"/>
         </c:scaling>
@@ -412,7 +412,7 @@
             <a:endParaRPr lang="zh-CN"/>
           </a:p>
         </c:txPr>
-        <c:crossAx val="1090884256"/>
+        <c:crossAx val="-442471264"/>
         <c:crosses val="autoZero"/>
         <c:auto val="1"/>
         <c:lblAlgn val="ctr"/>
@@ -420,7 +420,7 @@
         <c:noMultiLvlLbl val="0"/>
       </c:catAx>
       <c:valAx>
-        <c:axId val="1090884256"/>
+        <c:axId val="-442471264"/>
         <c:scaling>
           <c:orientation val="minMax"/>
         </c:scaling>
@@ -470,7 +470,7 @@
             <a:endParaRPr lang="zh-CN"/>
           </a:p>
         </c:txPr>
-        <c:crossAx val="1090880992"/>
+        <c:crossAx val="-442460384"/>
         <c:crosses val="autoZero"/>
         <c:crossBetween val="between"/>
       </c:valAx>
@@ -4016,7 +4016,7 @@
           <p:nvPr>
             <p:extLst>
               <p:ext uri="{D42A27DB-BD31-4B8C-83A1-F6EECF244321}">
-                <p14:modId xmlns:p14="http://schemas.microsoft.com/office/powerpoint/2010/main" val="4212464884"/>
+                <p14:modId xmlns:p14="http://schemas.microsoft.com/office/powerpoint/2010/main" val="1132086986"/>
               </p:ext>
             </p:extLst>
           </p:nvPr>

--- a/fig/evaluation2.pptx
+++ b/fig/evaluation2.pptx
@@ -113,7 +113,7 @@
 </file>
 
 <file path=ppt/charts/chart1.xml><?xml version="1.0" encoding="utf-8"?>
-<c:chartSpace xmlns:c="http://schemas.openxmlformats.org/drawingml/2006/chart" xmlns:a="http://schemas.openxmlformats.org/drawingml/2006/main" xmlns:r="http://schemas.openxmlformats.org/officeDocument/2006/relationships">
+<c:chartSpace xmlns:c="http://schemas.openxmlformats.org/drawingml/2006/chart" xmlns:a="http://schemas.openxmlformats.org/drawingml/2006/main" xmlns:r="http://schemas.openxmlformats.org/officeDocument/2006/relationships" xmlns:c16r2="http://schemas.microsoft.com/office/drawing/2015/06/chart">
   <c:date1904 val="0"/>
   <c:lang val="zh-CN"/>
   <c:roundedCorners val="0"/>
@@ -159,9 +159,9 @@
           <c:invertIfNegative val="0"/>
           <c:cat>
             <c:strRef>
-              <c:f>Sheet1!$A$2:$A$6</c:f>
+              <c:f>Sheet1!$A$2:$A$5</c:f>
               <c:strCache>
-                <c:ptCount val="5"/>
+                <c:ptCount val="4"/>
                 <c:pt idx="0">
                   <c:v>Identity proof requesting</c:v>
                 </c:pt>
@@ -169,12 +169,9 @@
                   <c:v>Identity proof generation</c:v>
                 </c:pt>
                 <c:pt idx="2">
-                  <c:v>Identity proof extraction</c:v>
+                  <c:v>Identity proof acceptance</c:v>
                 </c:pt>
                 <c:pt idx="3">
-                  <c:v>Identity proof verification</c:v>
-                </c:pt>
-                <c:pt idx="4">
                   <c:v>Total</c:v>
                 </c:pt>
               </c:strCache>
@@ -182,10 +179,10 @@
           </c:cat>
           <c:val>
             <c:numRef>
-              <c:f>Sheet1!$B$2:$B$6</c:f>
+              <c:f>Sheet1!$B$2:$B$5</c:f>
               <c:numCache>
                 <c:formatCode>General</c:formatCode>
-                <c:ptCount val="5"/>
+                <c:ptCount val="4"/>
                 <c:pt idx="0">
                   <c:v>10</c:v>
                 </c:pt>
@@ -193,17 +190,19 @@
                   <c:v>32</c:v>
                 </c:pt>
                 <c:pt idx="2">
-                  <c:v>57</c:v>
+                  <c:v>71</c:v>
                 </c:pt>
                 <c:pt idx="3">
-                  <c:v>14</c:v>
-                </c:pt>
-                <c:pt idx="4">
                   <c:v>113</c:v>
                 </c:pt>
               </c:numCache>
             </c:numRef>
           </c:val>
+          <c:extLst>
+            <c:ext xmlns:c16="http://schemas.microsoft.com/office/drawing/2014/chart" uri="{C3380CC4-5D6E-409C-BE32-E72D297353CC}">
+              <c16:uniqueId val="{00000000-40D8-A642-B790-CC5DC1889A2C}"/>
+            </c:ext>
+          </c:extLst>
         </c:ser>
         <c:ser>
           <c:idx val="1"/>
@@ -238,9 +237,9 @@
           <c:invertIfNegative val="0"/>
           <c:cat>
             <c:strRef>
-              <c:f>Sheet1!$A$2:$A$6</c:f>
+              <c:f>Sheet1!$A$2:$A$5</c:f>
               <c:strCache>
-                <c:ptCount val="5"/>
+                <c:ptCount val="4"/>
                 <c:pt idx="0">
                   <c:v>Identity proof requesting</c:v>
                 </c:pt>
@@ -248,12 +247,9 @@
                   <c:v>Identity proof generation</c:v>
                 </c:pt>
                 <c:pt idx="2">
-                  <c:v>Identity proof extraction</c:v>
+                  <c:v>Identity proof acceptance</c:v>
                 </c:pt>
                 <c:pt idx="3">
-                  <c:v>Identity proof verification</c:v>
-                </c:pt>
-                <c:pt idx="4">
                   <c:v>Total</c:v>
                 </c:pt>
               </c:strCache>
@@ -261,10 +257,10 @@
           </c:cat>
           <c:val>
             <c:numRef>
-              <c:f>Sheet1!$C$2:$C$6</c:f>
+              <c:f>Sheet1!$C$2:$C$5</c:f>
               <c:numCache>
                 <c:formatCode>General</c:formatCode>
-                <c:ptCount val="5"/>
+                <c:ptCount val="4"/>
                 <c:pt idx="0">
                   <c:v>19</c:v>
                 </c:pt>
@@ -272,17 +268,19 @@
                   <c:v>79</c:v>
                 </c:pt>
                 <c:pt idx="2">
-                  <c:v>193</c:v>
+                  <c:v>210</c:v>
                 </c:pt>
                 <c:pt idx="3">
-                  <c:v>17</c:v>
-                </c:pt>
-                <c:pt idx="4">
                   <c:v>308</c:v>
                 </c:pt>
               </c:numCache>
             </c:numRef>
           </c:val>
+          <c:extLst>
+            <c:ext xmlns:c16="http://schemas.microsoft.com/office/drawing/2014/chart" uri="{C3380CC4-5D6E-409C-BE32-E72D297353CC}">
+              <c16:uniqueId val="{00000001-40D8-A642-B790-CC5DC1889A2C}"/>
+            </c:ext>
+          </c:extLst>
         </c:ser>
         <c:ser>
           <c:idx val="2"/>
@@ -315,9 +313,9 @@
           <c:invertIfNegative val="0"/>
           <c:cat>
             <c:strRef>
-              <c:f>Sheet1!$A$2:$A$6</c:f>
+              <c:f>Sheet1!$A$2:$A$5</c:f>
               <c:strCache>
-                <c:ptCount val="5"/>
+                <c:ptCount val="4"/>
                 <c:pt idx="0">
                   <c:v>Identity proof requesting</c:v>
                 </c:pt>
@@ -325,12 +323,9 @@
                   <c:v>Identity proof generation</c:v>
                 </c:pt>
                 <c:pt idx="2">
-                  <c:v>Identity proof extraction</c:v>
+                  <c:v>Identity proof acceptance</c:v>
                 </c:pt>
                 <c:pt idx="3">
-                  <c:v>Identity proof verification</c:v>
-                </c:pt>
-                <c:pt idx="4">
                   <c:v>Total</c:v>
                 </c:pt>
               </c:strCache>
@@ -338,28 +333,30 @@
           </c:cat>
           <c:val>
             <c:numRef>
-              <c:f>Sheet1!$D$2:$D$6</c:f>
+              <c:f>Sheet1!$D$2:$D$5</c:f>
               <c:numCache>
                 <c:formatCode>General</c:formatCode>
-                <c:ptCount val="5"/>
+                <c:ptCount val="4"/>
                 <c:pt idx="0">
-                  <c:v>144</c:v>
+                  <c:v>271</c:v>
                 </c:pt>
                 <c:pt idx="1">
-                  <c:v>38</c:v>
+                  <c:v>34</c:v>
                 </c:pt>
                 <c:pt idx="2">
-                  <c:v>14</c:v>
+                  <c:v>6</c:v>
                 </c:pt>
                 <c:pt idx="3">
-                  <c:v>58</c:v>
-                </c:pt>
-                <c:pt idx="4">
-                  <c:v>254</c:v>
+                  <c:v>311</c:v>
                 </c:pt>
               </c:numCache>
             </c:numRef>
           </c:val>
+          <c:extLst>
+            <c:ext xmlns:c16="http://schemas.microsoft.com/office/drawing/2014/chart" uri="{C3380CC4-5D6E-409C-BE32-E72D297353CC}">
+              <c16:uniqueId val="{00000002-40D8-A642-B790-CC5DC1889A2C}"/>
+            </c:ext>
+          </c:extLst>
         </c:ser>
         <c:dLbls>
           <c:showLegendKey val="0"/>
@@ -1194,10 +1191,9 @@
           </a:lstStyle>
           <a:p>
             <a:r>
-              <a:rPr lang="zh-CN" altLang="en-US" smtClean="0"/>
+              <a:rPr lang="zh-CN" altLang="en-US"/>
               <a:t>单击此处编辑母版标题样式</a:t>
             </a:r>
-            <a:endParaRPr lang="zh-CN" altLang="en-US"/>
           </a:p>
         </p:txBody>
       </p:sp>
@@ -1259,10 +1255,9 @@
           </a:lstStyle>
           <a:p>
             <a:r>
-              <a:rPr lang="zh-CN" altLang="en-US" smtClean="0"/>
+              <a:rPr lang="zh-CN" altLang="en-US"/>
               <a:t>单击此处编辑母版副标题样式</a:t>
             </a:r>
-            <a:endParaRPr lang="zh-CN" altLang="en-US"/>
           </a:p>
         </p:txBody>
       </p:sp>
@@ -1283,7 +1278,7 @@
           <a:p>
             <a:fld id="{2EEC2C92-656E-4FE5-8C48-1B96565DA995}" type="datetimeFigureOut">
               <a:rPr lang="zh-CN" altLang="en-US" smtClean="0"/>
-              <a:t>2020/2/28</a:t>
+              <a:t>2021/1/23</a:t>
             </a:fld>
             <a:endParaRPr lang="zh-CN" altLang="en-US"/>
           </a:p>
@@ -1377,10 +1372,9 @@
           <a:lstStyle/>
           <a:p>
             <a:r>
-              <a:rPr lang="zh-CN" altLang="en-US" smtClean="0"/>
+              <a:rPr lang="zh-CN" altLang="en-US"/>
               <a:t>单击此处编辑母版标题样式</a:t>
             </a:r>
-            <a:endParaRPr lang="zh-CN" altLang="en-US"/>
           </a:p>
         </p:txBody>
       </p:sp>
@@ -1401,38 +1395,37 @@
           <a:p>
             <a:pPr lvl="0"/>
             <a:r>
-              <a:rPr lang="zh-CN" altLang="en-US" smtClean="0"/>
+              <a:rPr lang="zh-CN" altLang="en-US"/>
               <a:t>单击此处编辑母版文本样式</a:t>
             </a:r>
           </a:p>
           <a:p>
             <a:pPr lvl="1"/>
             <a:r>
-              <a:rPr lang="zh-CN" altLang="en-US" smtClean="0"/>
+              <a:rPr lang="zh-CN" altLang="en-US"/>
               <a:t>第二级</a:t>
             </a:r>
           </a:p>
           <a:p>
             <a:pPr lvl="2"/>
             <a:r>
-              <a:rPr lang="zh-CN" altLang="en-US" smtClean="0"/>
+              <a:rPr lang="zh-CN" altLang="en-US"/>
               <a:t>第三级</a:t>
             </a:r>
           </a:p>
           <a:p>
             <a:pPr lvl="3"/>
             <a:r>
-              <a:rPr lang="zh-CN" altLang="en-US" smtClean="0"/>
+              <a:rPr lang="zh-CN" altLang="en-US"/>
               <a:t>第四级</a:t>
             </a:r>
           </a:p>
           <a:p>
             <a:pPr lvl="4"/>
             <a:r>
-              <a:rPr lang="zh-CN" altLang="en-US" smtClean="0"/>
+              <a:rPr lang="zh-CN" altLang="en-US"/>
               <a:t>第五级</a:t>
             </a:r>
-            <a:endParaRPr lang="zh-CN" altLang="en-US"/>
           </a:p>
         </p:txBody>
       </p:sp>
@@ -1453,7 +1446,7 @@
           <a:p>
             <a:fld id="{2EEC2C92-656E-4FE5-8C48-1B96565DA995}" type="datetimeFigureOut">
               <a:rPr lang="zh-CN" altLang="en-US" smtClean="0"/>
-              <a:t>2020/2/28</a:t>
+              <a:t>2021/1/23</a:t>
             </a:fld>
             <a:endParaRPr lang="zh-CN" altLang="en-US"/>
           </a:p>
@@ -1552,10 +1545,9 @@
           <a:lstStyle/>
           <a:p>
             <a:r>
-              <a:rPr lang="zh-CN" altLang="en-US" smtClean="0"/>
+              <a:rPr lang="zh-CN" altLang="en-US"/>
               <a:t>单击此处编辑母版标题样式</a:t>
             </a:r>
-            <a:endParaRPr lang="zh-CN" altLang="en-US"/>
           </a:p>
         </p:txBody>
       </p:sp>
@@ -1581,38 +1573,37 @@
           <a:p>
             <a:pPr lvl="0"/>
             <a:r>
-              <a:rPr lang="zh-CN" altLang="en-US" smtClean="0"/>
+              <a:rPr lang="zh-CN" altLang="en-US"/>
               <a:t>单击此处编辑母版文本样式</a:t>
             </a:r>
           </a:p>
           <a:p>
             <a:pPr lvl="1"/>
             <a:r>
-              <a:rPr lang="zh-CN" altLang="en-US" smtClean="0"/>
+              <a:rPr lang="zh-CN" altLang="en-US"/>
               <a:t>第二级</a:t>
             </a:r>
           </a:p>
           <a:p>
             <a:pPr lvl="2"/>
             <a:r>
-              <a:rPr lang="zh-CN" altLang="en-US" smtClean="0"/>
+              <a:rPr lang="zh-CN" altLang="en-US"/>
               <a:t>第三级</a:t>
             </a:r>
           </a:p>
           <a:p>
             <a:pPr lvl="3"/>
             <a:r>
-              <a:rPr lang="zh-CN" altLang="en-US" smtClean="0"/>
+              <a:rPr lang="zh-CN" altLang="en-US"/>
               <a:t>第四级</a:t>
             </a:r>
           </a:p>
           <a:p>
             <a:pPr lvl="4"/>
             <a:r>
-              <a:rPr lang="zh-CN" altLang="en-US" smtClean="0"/>
+              <a:rPr lang="zh-CN" altLang="en-US"/>
               <a:t>第五级</a:t>
             </a:r>
-            <a:endParaRPr lang="zh-CN" altLang="en-US"/>
           </a:p>
         </p:txBody>
       </p:sp>
@@ -1633,7 +1624,7 @@
           <a:p>
             <a:fld id="{2EEC2C92-656E-4FE5-8C48-1B96565DA995}" type="datetimeFigureOut">
               <a:rPr lang="zh-CN" altLang="en-US" smtClean="0"/>
-              <a:t>2020/2/28</a:t>
+              <a:t>2021/1/23</a:t>
             </a:fld>
             <a:endParaRPr lang="zh-CN" altLang="en-US"/>
           </a:p>
@@ -1727,10 +1718,9 @@
           <a:lstStyle/>
           <a:p>
             <a:r>
-              <a:rPr lang="zh-CN" altLang="en-US" smtClean="0"/>
+              <a:rPr lang="zh-CN" altLang="en-US"/>
               <a:t>单击此处编辑母版标题样式</a:t>
             </a:r>
-            <a:endParaRPr lang="zh-CN" altLang="en-US"/>
           </a:p>
         </p:txBody>
       </p:sp>
@@ -1751,38 +1741,37 @@
           <a:p>
             <a:pPr lvl="0"/>
             <a:r>
-              <a:rPr lang="zh-CN" altLang="en-US" smtClean="0"/>
+              <a:rPr lang="zh-CN" altLang="en-US"/>
               <a:t>单击此处编辑母版文本样式</a:t>
             </a:r>
           </a:p>
           <a:p>
             <a:pPr lvl="1"/>
             <a:r>
-              <a:rPr lang="zh-CN" altLang="en-US" smtClean="0"/>
+              <a:rPr lang="zh-CN" altLang="en-US"/>
               <a:t>第二级</a:t>
             </a:r>
           </a:p>
           <a:p>
             <a:pPr lvl="2"/>
             <a:r>
-              <a:rPr lang="zh-CN" altLang="en-US" smtClean="0"/>
+              <a:rPr lang="zh-CN" altLang="en-US"/>
               <a:t>第三级</a:t>
             </a:r>
           </a:p>
           <a:p>
             <a:pPr lvl="3"/>
             <a:r>
-              <a:rPr lang="zh-CN" altLang="en-US" smtClean="0"/>
+              <a:rPr lang="zh-CN" altLang="en-US"/>
               <a:t>第四级</a:t>
             </a:r>
           </a:p>
           <a:p>
             <a:pPr lvl="4"/>
             <a:r>
-              <a:rPr lang="zh-CN" altLang="en-US" smtClean="0"/>
+              <a:rPr lang="zh-CN" altLang="en-US"/>
               <a:t>第五级</a:t>
             </a:r>
-            <a:endParaRPr lang="zh-CN" altLang="en-US"/>
           </a:p>
         </p:txBody>
       </p:sp>
@@ -1803,7 +1792,7 @@
           <a:p>
             <a:fld id="{2EEC2C92-656E-4FE5-8C48-1B96565DA995}" type="datetimeFigureOut">
               <a:rPr lang="zh-CN" altLang="en-US" smtClean="0"/>
-              <a:t>2020/2/28</a:t>
+              <a:t>2021/1/23</a:t>
             </a:fld>
             <a:endParaRPr lang="zh-CN" altLang="en-US"/>
           </a:p>
@@ -1906,10 +1895,9 @@
           </a:lstStyle>
           <a:p>
             <a:r>
-              <a:rPr lang="zh-CN" altLang="en-US" smtClean="0"/>
+              <a:rPr lang="zh-CN" altLang="en-US"/>
               <a:t>单击此处编辑母版标题样式</a:t>
             </a:r>
-            <a:endParaRPr lang="zh-CN" altLang="en-US"/>
           </a:p>
         </p:txBody>
       </p:sp>
@@ -2026,7 +2014,7 @@
           <a:p>
             <a:pPr lvl="0"/>
             <a:r>
-              <a:rPr lang="zh-CN" altLang="en-US" smtClean="0"/>
+              <a:rPr lang="zh-CN" altLang="en-US"/>
               <a:t>单击此处编辑母版文本样式</a:t>
             </a:r>
           </a:p>
@@ -2049,7 +2037,7 @@
           <a:p>
             <a:fld id="{2EEC2C92-656E-4FE5-8C48-1B96565DA995}" type="datetimeFigureOut">
               <a:rPr lang="zh-CN" altLang="en-US" smtClean="0"/>
-              <a:t>2020/2/28</a:t>
+              <a:t>2021/1/23</a:t>
             </a:fld>
             <a:endParaRPr lang="zh-CN" altLang="en-US"/>
           </a:p>
@@ -2143,10 +2131,9 @@
           <a:lstStyle/>
           <a:p>
             <a:r>
-              <a:rPr lang="zh-CN" altLang="en-US" smtClean="0"/>
+              <a:rPr lang="zh-CN" altLang="en-US"/>
               <a:t>单击此处编辑母版标题样式</a:t>
             </a:r>
-            <a:endParaRPr lang="zh-CN" altLang="en-US"/>
           </a:p>
         </p:txBody>
       </p:sp>
@@ -2172,38 +2159,37 @@
           <a:p>
             <a:pPr lvl="0"/>
             <a:r>
-              <a:rPr lang="zh-CN" altLang="en-US" smtClean="0"/>
+              <a:rPr lang="zh-CN" altLang="en-US"/>
               <a:t>单击此处编辑母版文本样式</a:t>
             </a:r>
           </a:p>
           <a:p>
             <a:pPr lvl="1"/>
             <a:r>
-              <a:rPr lang="zh-CN" altLang="en-US" smtClean="0"/>
+              <a:rPr lang="zh-CN" altLang="en-US"/>
               <a:t>第二级</a:t>
             </a:r>
           </a:p>
           <a:p>
             <a:pPr lvl="2"/>
             <a:r>
-              <a:rPr lang="zh-CN" altLang="en-US" smtClean="0"/>
+              <a:rPr lang="zh-CN" altLang="en-US"/>
               <a:t>第三级</a:t>
             </a:r>
           </a:p>
           <a:p>
             <a:pPr lvl="3"/>
             <a:r>
-              <a:rPr lang="zh-CN" altLang="en-US" smtClean="0"/>
+              <a:rPr lang="zh-CN" altLang="en-US"/>
               <a:t>第四级</a:t>
             </a:r>
           </a:p>
           <a:p>
             <a:pPr lvl="4"/>
             <a:r>
-              <a:rPr lang="zh-CN" altLang="en-US" smtClean="0"/>
+              <a:rPr lang="zh-CN" altLang="en-US"/>
               <a:t>第五级</a:t>
             </a:r>
-            <a:endParaRPr lang="zh-CN" altLang="en-US"/>
           </a:p>
         </p:txBody>
       </p:sp>
@@ -2229,38 +2215,37 @@
           <a:p>
             <a:pPr lvl="0"/>
             <a:r>
-              <a:rPr lang="zh-CN" altLang="en-US" smtClean="0"/>
+              <a:rPr lang="zh-CN" altLang="en-US"/>
               <a:t>单击此处编辑母版文本样式</a:t>
             </a:r>
           </a:p>
           <a:p>
             <a:pPr lvl="1"/>
             <a:r>
-              <a:rPr lang="zh-CN" altLang="en-US" smtClean="0"/>
+              <a:rPr lang="zh-CN" altLang="en-US"/>
               <a:t>第二级</a:t>
             </a:r>
           </a:p>
           <a:p>
             <a:pPr lvl="2"/>
             <a:r>
-              <a:rPr lang="zh-CN" altLang="en-US" smtClean="0"/>
+              <a:rPr lang="zh-CN" altLang="en-US"/>
               <a:t>第三级</a:t>
             </a:r>
           </a:p>
           <a:p>
             <a:pPr lvl="3"/>
             <a:r>
-              <a:rPr lang="zh-CN" altLang="en-US" smtClean="0"/>
+              <a:rPr lang="zh-CN" altLang="en-US"/>
               <a:t>第四级</a:t>
             </a:r>
           </a:p>
           <a:p>
             <a:pPr lvl="4"/>
             <a:r>
-              <a:rPr lang="zh-CN" altLang="en-US" smtClean="0"/>
+              <a:rPr lang="zh-CN" altLang="en-US"/>
               <a:t>第五级</a:t>
             </a:r>
-            <a:endParaRPr lang="zh-CN" altLang="en-US"/>
           </a:p>
         </p:txBody>
       </p:sp>
@@ -2281,7 +2266,7 @@
           <a:p>
             <a:fld id="{2EEC2C92-656E-4FE5-8C48-1B96565DA995}" type="datetimeFigureOut">
               <a:rPr lang="zh-CN" altLang="en-US" smtClean="0"/>
-              <a:t>2020/2/28</a:t>
+              <a:t>2021/1/23</a:t>
             </a:fld>
             <a:endParaRPr lang="zh-CN" altLang="en-US"/>
           </a:p>
@@ -2380,10 +2365,9 @@
           <a:lstStyle/>
           <a:p>
             <a:r>
-              <a:rPr lang="zh-CN" altLang="en-US" smtClean="0"/>
+              <a:rPr lang="zh-CN" altLang="en-US"/>
               <a:t>单击此处编辑母版标题样式</a:t>
             </a:r>
-            <a:endParaRPr lang="zh-CN" altLang="en-US"/>
           </a:p>
         </p:txBody>
       </p:sp>
@@ -2446,7 +2430,7 @@
           <a:p>
             <a:pPr lvl="0"/>
             <a:r>
-              <a:rPr lang="zh-CN" altLang="en-US" smtClean="0"/>
+              <a:rPr lang="zh-CN" altLang="en-US"/>
               <a:t>单击此处编辑母版文本样式</a:t>
             </a:r>
           </a:p>
@@ -2474,38 +2458,37 @@
           <a:p>
             <a:pPr lvl="0"/>
             <a:r>
-              <a:rPr lang="zh-CN" altLang="en-US" smtClean="0"/>
+              <a:rPr lang="zh-CN" altLang="en-US"/>
               <a:t>单击此处编辑母版文本样式</a:t>
             </a:r>
           </a:p>
           <a:p>
             <a:pPr lvl="1"/>
             <a:r>
-              <a:rPr lang="zh-CN" altLang="en-US" smtClean="0"/>
+              <a:rPr lang="zh-CN" altLang="en-US"/>
               <a:t>第二级</a:t>
             </a:r>
           </a:p>
           <a:p>
             <a:pPr lvl="2"/>
             <a:r>
-              <a:rPr lang="zh-CN" altLang="en-US" smtClean="0"/>
+              <a:rPr lang="zh-CN" altLang="en-US"/>
               <a:t>第三级</a:t>
             </a:r>
           </a:p>
           <a:p>
             <a:pPr lvl="3"/>
             <a:r>
-              <a:rPr lang="zh-CN" altLang="en-US" smtClean="0"/>
+              <a:rPr lang="zh-CN" altLang="en-US"/>
               <a:t>第四级</a:t>
             </a:r>
           </a:p>
           <a:p>
             <a:pPr lvl="4"/>
             <a:r>
-              <a:rPr lang="zh-CN" altLang="en-US" smtClean="0"/>
+              <a:rPr lang="zh-CN" altLang="en-US"/>
               <a:t>第五级</a:t>
             </a:r>
-            <a:endParaRPr lang="zh-CN" altLang="en-US"/>
           </a:p>
         </p:txBody>
       </p:sp>
@@ -2568,7 +2551,7 @@
           <a:p>
             <a:pPr lvl="0"/>
             <a:r>
-              <a:rPr lang="zh-CN" altLang="en-US" smtClean="0"/>
+              <a:rPr lang="zh-CN" altLang="en-US"/>
               <a:t>单击此处编辑母版文本样式</a:t>
             </a:r>
           </a:p>
@@ -2596,38 +2579,37 @@
           <a:p>
             <a:pPr lvl="0"/>
             <a:r>
-              <a:rPr lang="zh-CN" altLang="en-US" smtClean="0"/>
+              <a:rPr lang="zh-CN" altLang="en-US"/>
               <a:t>单击此处编辑母版文本样式</a:t>
             </a:r>
           </a:p>
           <a:p>
             <a:pPr lvl="1"/>
             <a:r>
-              <a:rPr lang="zh-CN" altLang="en-US" smtClean="0"/>
+              <a:rPr lang="zh-CN" altLang="en-US"/>
               <a:t>第二级</a:t>
             </a:r>
           </a:p>
           <a:p>
             <a:pPr lvl="2"/>
             <a:r>
-              <a:rPr lang="zh-CN" altLang="en-US" smtClean="0"/>
+              <a:rPr lang="zh-CN" altLang="en-US"/>
               <a:t>第三级</a:t>
             </a:r>
           </a:p>
           <a:p>
             <a:pPr lvl="3"/>
             <a:r>
-              <a:rPr lang="zh-CN" altLang="en-US" smtClean="0"/>
+              <a:rPr lang="zh-CN" altLang="en-US"/>
               <a:t>第四级</a:t>
             </a:r>
           </a:p>
           <a:p>
             <a:pPr lvl="4"/>
             <a:r>
-              <a:rPr lang="zh-CN" altLang="en-US" smtClean="0"/>
+              <a:rPr lang="zh-CN" altLang="en-US"/>
               <a:t>第五级</a:t>
             </a:r>
-            <a:endParaRPr lang="zh-CN" altLang="en-US"/>
           </a:p>
         </p:txBody>
       </p:sp>
@@ -2648,7 +2630,7 @@
           <a:p>
             <a:fld id="{2EEC2C92-656E-4FE5-8C48-1B96565DA995}" type="datetimeFigureOut">
               <a:rPr lang="zh-CN" altLang="en-US" smtClean="0"/>
-              <a:t>2020/2/28</a:t>
+              <a:t>2021/1/23</a:t>
             </a:fld>
             <a:endParaRPr lang="zh-CN" altLang="en-US"/>
           </a:p>
@@ -2742,10 +2724,9 @@
           <a:lstStyle/>
           <a:p>
             <a:r>
-              <a:rPr lang="zh-CN" altLang="en-US" smtClean="0"/>
+              <a:rPr lang="zh-CN" altLang="en-US"/>
               <a:t>单击此处编辑母版标题样式</a:t>
             </a:r>
-            <a:endParaRPr lang="zh-CN" altLang="en-US"/>
           </a:p>
         </p:txBody>
       </p:sp>
@@ -2766,7 +2747,7 @@
           <a:p>
             <a:fld id="{2EEC2C92-656E-4FE5-8C48-1B96565DA995}" type="datetimeFigureOut">
               <a:rPr lang="zh-CN" altLang="en-US" smtClean="0"/>
-              <a:t>2020/2/28</a:t>
+              <a:t>2021/1/23</a:t>
             </a:fld>
             <a:endParaRPr lang="zh-CN" altLang="en-US"/>
           </a:p>
@@ -2861,7 +2842,7 @@
           <a:p>
             <a:fld id="{2EEC2C92-656E-4FE5-8C48-1B96565DA995}" type="datetimeFigureOut">
               <a:rPr lang="zh-CN" altLang="en-US" smtClean="0"/>
-              <a:t>2020/2/28</a:t>
+              <a:t>2021/1/23</a:t>
             </a:fld>
             <a:endParaRPr lang="zh-CN" altLang="en-US"/>
           </a:p>
@@ -2964,10 +2945,9 @@
           </a:lstStyle>
           <a:p>
             <a:r>
-              <a:rPr lang="zh-CN" altLang="en-US" smtClean="0"/>
+              <a:rPr lang="zh-CN" altLang="en-US"/>
               <a:t>单击此处编辑母版标题样式</a:t>
             </a:r>
-            <a:endParaRPr lang="zh-CN" altLang="en-US"/>
           </a:p>
         </p:txBody>
       </p:sp>
@@ -3021,38 +3001,37 @@
           <a:p>
             <a:pPr lvl="0"/>
             <a:r>
-              <a:rPr lang="zh-CN" altLang="en-US" smtClean="0"/>
+              <a:rPr lang="zh-CN" altLang="en-US"/>
               <a:t>单击此处编辑母版文本样式</a:t>
             </a:r>
           </a:p>
           <a:p>
             <a:pPr lvl="1"/>
             <a:r>
-              <a:rPr lang="zh-CN" altLang="en-US" smtClean="0"/>
+              <a:rPr lang="zh-CN" altLang="en-US"/>
               <a:t>第二级</a:t>
             </a:r>
           </a:p>
           <a:p>
             <a:pPr lvl="2"/>
             <a:r>
-              <a:rPr lang="zh-CN" altLang="en-US" smtClean="0"/>
+              <a:rPr lang="zh-CN" altLang="en-US"/>
               <a:t>第三级</a:t>
             </a:r>
           </a:p>
           <a:p>
             <a:pPr lvl="3"/>
             <a:r>
-              <a:rPr lang="zh-CN" altLang="en-US" smtClean="0"/>
+              <a:rPr lang="zh-CN" altLang="en-US"/>
               <a:t>第四级</a:t>
             </a:r>
           </a:p>
           <a:p>
             <a:pPr lvl="4"/>
             <a:r>
-              <a:rPr lang="zh-CN" altLang="en-US" smtClean="0"/>
+              <a:rPr lang="zh-CN" altLang="en-US"/>
               <a:t>第五级</a:t>
             </a:r>
-            <a:endParaRPr lang="zh-CN" altLang="en-US"/>
           </a:p>
         </p:txBody>
       </p:sp>
@@ -3115,7 +3094,7 @@
           <a:p>
             <a:pPr lvl="0"/>
             <a:r>
-              <a:rPr lang="zh-CN" altLang="en-US" smtClean="0"/>
+              <a:rPr lang="zh-CN" altLang="en-US"/>
               <a:t>单击此处编辑母版文本样式</a:t>
             </a:r>
           </a:p>
@@ -3138,7 +3117,7 @@
           <a:p>
             <a:fld id="{2EEC2C92-656E-4FE5-8C48-1B96565DA995}" type="datetimeFigureOut">
               <a:rPr lang="zh-CN" altLang="en-US" smtClean="0"/>
-              <a:t>2020/2/28</a:t>
+              <a:t>2021/1/23</a:t>
             </a:fld>
             <a:endParaRPr lang="zh-CN" altLang="en-US"/>
           </a:p>
@@ -3241,10 +3220,9 @@
           </a:lstStyle>
           <a:p>
             <a:r>
-              <a:rPr lang="zh-CN" altLang="en-US" smtClean="0"/>
+              <a:rPr lang="zh-CN" altLang="en-US"/>
               <a:t>单击此处编辑母版标题样式</a:t>
             </a:r>
-            <a:endParaRPr lang="zh-CN" altLang="en-US"/>
           </a:p>
         </p:txBody>
       </p:sp>
@@ -3368,7 +3346,7 @@
           <a:p>
             <a:pPr lvl="0"/>
             <a:r>
-              <a:rPr lang="zh-CN" altLang="en-US" smtClean="0"/>
+              <a:rPr lang="zh-CN" altLang="en-US"/>
               <a:t>单击此处编辑母版文本样式</a:t>
             </a:r>
           </a:p>
@@ -3391,7 +3369,7 @@
           <a:p>
             <a:fld id="{2EEC2C92-656E-4FE5-8C48-1B96565DA995}" type="datetimeFigureOut">
               <a:rPr lang="zh-CN" altLang="en-US" smtClean="0"/>
-              <a:t>2020/2/28</a:t>
+              <a:t>2021/1/23</a:t>
             </a:fld>
             <a:endParaRPr lang="zh-CN" altLang="en-US"/>
           </a:p>
@@ -3500,10 +3478,9 @@
           <a:lstStyle/>
           <a:p>
             <a:r>
-              <a:rPr lang="zh-CN" altLang="en-US" smtClean="0"/>
+              <a:rPr lang="zh-CN" altLang="en-US"/>
               <a:t>单击此处编辑母版标题样式</a:t>
             </a:r>
-            <a:endParaRPr lang="zh-CN" altLang="en-US"/>
           </a:p>
         </p:txBody>
       </p:sp>
@@ -3534,38 +3511,37 @@
           <a:p>
             <a:pPr lvl="0"/>
             <a:r>
-              <a:rPr lang="zh-CN" altLang="en-US" smtClean="0"/>
+              <a:rPr lang="zh-CN" altLang="en-US"/>
               <a:t>单击此处编辑母版文本样式</a:t>
             </a:r>
           </a:p>
           <a:p>
             <a:pPr lvl="1"/>
             <a:r>
-              <a:rPr lang="zh-CN" altLang="en-US" smtClean="0"/>
+              <a:rPr lang="zh-CN" altLang="en-US"/>
               <a:t>第二级</a:t>
             </a:r>
           </a:p>
           <a:p>
             <a:pPr lvl="2"/>
             <a:r>
-              <a:rPr lang="zh-CN" altLang="en-US" smtClean="0"/>
+              <a:rPr lang="zh-CN" altLang="en-US"/>
               <a:t>第三级</a:t>
             </a:r>
           </a:p>
           <a:p>
             <a:pPr lvl="3"/>
             <a:r>
-              <a:rPr lang="zh-CN" altLang="en-US" smtClean="0"/>
+              <a:rPr lang="zh-CN" altLang="en-US"/>
               <a:t>第四级</a:t>
             </a:r>
           </a:p>
           <a:p>
             <a:pPr lvl="4"/>
             <a:r>
-              <a:rPr lang="zh-CN" altLang="en-US" smtClean="0"/>
+              <a:rPr lang="zh-CN" altLang="en-US"/>
               <a:t>第五级</a:t>
             </a:r>
-            <a:endParaRPr lang="zh-CN" altLang="en-US"/>
           </a:p>
         </p:txBody>
       </p:sp>
@@ -3604,7 +3580,7 @@
           <a:p>
             <a:fld id="{2EEC2C92-656E-4FE5-8C48-1B96565DA995}" type="datetimeFigureOut">
               <a:rPr lang="zh-CN" altLang="en-US" smtClean="0"/>
-              <a:t>2020/2/28</a:t>
+              <a:t>2021/1/23</a:t>
             </a:fld>
             <a:endParaRPr lang="zh-CN" altLang="en-US"/>
           </a:p>
@@ -4016,7 +3992,7 @@
           <p:nvPr>
             <p:extLst>
               <p:ext uri="{D42A27DB-BD31-4B8C-83A1-F6EECF244321}">
-                <p14:modId xmlns:p14="http://schemas.microsoft.com/office/powerpoint/2010/main" val="1132086986"/>
+                <p14:modId xmlns:p14="http://schemas.microsoft.com/office/powerpoint/2010/main" val="3232934557"/>
               </p:ext>
             </p:extLst>
           </p:nvPr>
@@ -4054,21 +4030,21 @@
           <a:lstStyle/>
           <a:p>
             <a:r>
-              <a:rPr lang="en-US" altLang="zh-CN" dirty="0" smtClean="0">
+              <a:rPr lang="en-US" altLang="zh-CN" dirty="0">
                 <a:latin typeface="Times New Roman" panose="02020603050405020304" pitchFamily="18" charset="0"/>
                 <a:cs typeface="Times New Roman" panose="02020603050405020304" pitchFamily="18" charset="0"/>
               </a:rPr>
               <a:t>Time (in </a:t>
             </a:r>
             <a:r>
-              <a:rPr lang="en-US" altLang="zh-CN" dirty="0" err="1" smtClean="0">
+              <a:rPr lang="en-US" altLang="zh-CN" dirty="0" err="1">
                 <a:latin typeface="Times New Roman" panose="02020603050405020304" pitchFamily="18" charset="0"/>
                 <a:cs typeface="Times New Roman" panose="02020603050405020304" pitchFamily="18" charset="0"/>
               </a:rPr>
               <a:t>ms</a:t>
             </a:r>
             <a:r>
-              <a:rPr lang="en-US" altLang="zh-CN" dirty="0" smtClean="0">
+              <a:rPr lang="en-US" altLang="zh-CN" dirty="0">
                 <a:latin typeface="Times New Roman" panose="02020603050405020304" pitchFamily="18" charset="0"/>
                 <a:cs typeface="Times New Roman" panose="02020603050405020304" pitchFamily="18" charset="0"/>
               </a:rPr>

--- a/fig/evaluation2.pptx
+++ b/fig/evaluation2.pptx
@@ -213,6 +213,82 @@
               <c:strCache>
                 <c:ptCount val="1"/>
                 <c:pt idx="0">
+                  <c:v>UPPRESSO</c:v>
+                </c:pt>
+              </c:strCache>
+            </c:strRef>
+          </c:tx>
+          <c:spPr>
+            <a:solidFill>
+              <a:schemeClr val="tx1">
+                <a:lumMod val="65000"/>
+                <a:lumOff val="35000"/>
+              </a:schemeClr>
+            </a:solidFill>
+            <a:ln>
+              <a:solidFill>
+                <a:schemeClr val="tx1"/>
+              </a:solidFill>
+            </a:ln>
+            <a:effectLst/>
+          </c:spPr>
+          <c:invertIfNegative val="0"/>
+          <c:cat>
+            <c:strRef>
+              <c:f>Sheet1!$A$2:$A$5</c:f>
+              <c:strCache>
+                <c:ptCount val="4"/>
+                <c:pt idx="0">
+                  <c:v>Identity proof requesting</c:v>
+                </c:pt>
+                <c:pt idx="1">
+                  <c:v>Identity proof generation</c:v>
+                </c:pt>
+                <c:pt idx="2">
+                  <c:v>Identity proof acceptance</c:v>
+                </c:pt>
+                <c:pt idx="3">
+                  <c:v>Total</c:v>
+                </c:pt>
+              </c:strCache>
+            </c:strRef>
+          </c:cat>
+          <c:val>
+            <c:numRef>
+              <c:f>Sheet1!$C$2:$C$5</c:f>
+              <c:numCache>
+                <c:formatCode>General</c:formatCode>
+                <c:ptCount val="4"/>
+                <c:pt idx="0">
+                  <c:v>271</c:v>
+                </c:pt>
+                <c:pt idx="1">
+                  <c:v>34</c:v>
+                </c:pt>
+                <c:pt idx="2">
+                  <c:v>6</c:v>
+                </c:pt>
+                <c:pt idx="3">
+                  <c:v>311</c:v>
+                </c:pt>
+              </c:numCache>
+            </c:numRef>
+          </c:val>
+          <c:extLst>
+            <c:ext xmlns:c16="http://schemas.microsoft.com/office/drawing/2014/chart" uri="{C3380CC4-5D6E-409C-BE32-E72D297353CC}">
+              <c16:uniqueId val="{00000001-40D8-A642-B790-CC5DC1889A2C}"/>
+            </c:ext>
+          </c:extLst>
+        </c:ser>
+        <c:ser>
+          <c:idx val="2"/>
+          <c:order val="2"/>
+          <c:tx>
+            <c:strRef>
+              <c:f>Sheet1!$D$1</c:f>
+              <c:strCache>
+                <c:ptCount val="1"/>
+                <c:pt idx="0">
                   <c:v>SPRESSO</c:v>
                 </c:pt>
               </c:strCache>
@@ -257,7 +333,7 @@
           </c:cat>
           <c:val>
             <c:numRef>
-              <c:f>Sheet1!$C$2:$C$5</c:f>
+              <c:f>Sheet1!$D$2:$D$5</c:f>
               <c:numCache>
                 <c:formatCode>General</c:formatCode>
                 <c:ptCount val="4"/>
@@ -278,83 +354,7 @@
           </c:val>
           <c:extLst>
             <c:ext xmlns:c16="http://schemas.microsoft.com/office/drawing/2014/chart" uri="{C3380CC4-5D6E-409C-BE32-E72D297353CC}">
-              <c16:uniqueId val="{00000001-40D8-A642-B790-CC5DC1889A2C}"/>
-            </c:ext>
-          </c:extLst>
-        </c:ser>
-        <c:ser>
-          <c:idx val="2"/>
-          <c:order val="2"/>
-          <c:tx>
-            <c:strRef>
-              <c:f>Sheet1!$D$1</c:f>
-              <c:strCache>
-                <c:ptCount val="1"/>
-                <c:pt idx="0">
-                  <c:v>UPPRESSO</c:v>
-                </c:pt>
-              </c:strCache>
-            </c:strRef>
-          </c:tx>
-          <c:spPr>
-            <a:solidFill>
-              <a:schemeClr val="tx1">
-                <a:lumMod val="65000"/>
-                <a:lumOff val="35000"/>
-              </a:schemeClr>
-            </a:solidFill>
-            <a:ln>
-              <a:solidFill>
-                <a:schemeClr val="tx1"/>
-              </a:solidFill>
-            </a:ln>
-            <a:effectLst/>
-          </c:spPr>
-          <c:invertIfNegative val="0"/>
-          <c:cat>
-            <c:strRef>
-              <c:f>Sheet1!$A$2:$A$5</c:f>
-              <c:strCache>
-                <c:ptCount val="4"/>
-                <c:pt idx="0">
-                  <c:v>Identity proof requesting</c:v>
-                </c:pt>
-                <c:pt idx="1">
-                  <c:v>Identity proof generation</c:v>
-                </c:pt>
-                <c:pt idx="2">
-                  <c:v>Identity proof acceptance</c:v>
-                </c:pt>
-                <c:pt idx="3">
-                  <c:v>Total</c:v>
-                </c:pt>
-              </c:strCache>
-            </c:strRef>
-          </c:cat>
-          <c:val>
-            <c:numRef>
-              <c:f>Sheet1!$D$2:$D$5</c:f>
-              <c:numCache>
-                <c:formatCode>General</c:formatCode>
-                <c:ptCount val="4"/>
-                <c:pt idx="0">
-                  <c:v>271</c:v>
-                </c:pt>
-                <c:pt idx="1">
-                  <c:v>34</c:v>
-                </c:pt>
-                <c:pt idx="2">
-                  <c:v>6</c:v>
-                </c:pt>
-                <c:pt idx="3">
-                  <c:v>311</c:v>
-                </c:pt>
-              </c:numCache>
-            </c:numRef>
-          </c:val>
-          <c:extLst>
-            <c:ext xmlns:c16="http://schemas.microsoft.com/office/drawing/2014/chart" uri="{C3380CC4-5D6E-409C-BE32-E72D297353CC}">
-              <c16:uniqueId val="{00000002-40D8-A642-B790-CC5DC1889A2C}"/>
+              <c16:uniqueId val="{00000001-A446-DB41-ADAD-993F0BFB0D98}"/>
             </c:ext>
           </c:extLst>
         </c:ser>
@@ -521,34 +521,14 @@
           </a:p>
         </c:txPr>
       </c:legendEntry>
-      <c:legendEntry>
-        <c:idx val="2"/>
-        <c:txPr>
-          <a:bodyPr rot="0" spcFirstLastPara="1" vertOverflow="ellipsis" vert="horz" wrap="square" anchor="ctr" anchorCtr="1"/>
-          <a:lstStyle/>
-          <a:p>
-            <a:pPr>
-              <a:defRPr lang="zh-CN" altLang="en-US" sz="2400" b="0" i="0" u="none" strike="noStrike" kern="1200" baseline="0">
-                <a:solidFill>
-                  <a:schemeClr val="tx1"/>
-                </a:solidFill>
-                <a:latin typeface="Times New Roman" panose="02020603050405020304" pitchFamily="18" charset="0"/>
-                <a:ea typeface="+mn-ea"/>
-                <a:cs typeface="+mn-cs"/>
-              </a:defRPr>
-            </a:pPr>
-            <a:endParaRPr lang="zh-CN"/>
-          </a:p>
-        </c:txPr>
-      </c:legendEntry>
       <c:layout>
         <c:manualLayout>
           <c:xMode val="edge"/>
           <c:yMode val="edge"/>
           <c:x val="0.19469843958502422"/>
           <c:y val="2.798245219347582E-2"/>
-          <c:w val="0.6095504898616827"/>
-          <c:h val="8.6303262092238472E-2"/>
+          <c:w val="0.59514317844825737"/>
+          <c:h val="6.154135733033371E-2"/>
         </c:manualLayout>
       </c:layout>
       <c:overlay val="0"/>
@@ -1278,7 +1258,7 @@
           <a:p>
             <a:fld id="{2EEC2C92-656E-4FE5-8C48-1B96565DA995}" type="datetimeFigureOut">
               <a:rPr lang="zh-CN" altLang="en-US" smtClean="0"/>
-              <a:t>2021/1/23</a:t>
+              <a:t>2021/10/6</a:t>
             </a:fld>
             <a:endParaRPr lang="zh-CN" altLang="en-US"/>
           </a:p>
@@ -1446,7 +1426,7 @@
           <a:p>
             <a:fld id="{2EEC2C92-656E-4FE5-8C48-1B96565DA995}" type="datetimeFigureOut">
               <a:rPr lang="zh-CN" altLang="en-US" smtClean="0"/>
-              <a:t>2021/1/23</a:t>
+              <a:t>2021/10/6</a:t>
             </a:fld>
             <a:endParaRPr lang="zh-CN" altLang="en-US"/>
           </a:p>
@@ -1624,7 +1604,7 @@
           <a:p>
             <a:fld id="{2EEC2C92-656E-4FE5-8C48-1B96565DA995}" type="datetimeFigureOut">
               <a:rPr lang="zh-CN" altLang="en-US" smtClean="0"/>
-              <a:t>2021/1/23</a:t>
+              <a:t>2021/10/6</a:t>
             </a:fld>
             <a:endParaRPr lang="zh-CN" altLang="en-US"/>
           </a:p>
@@ -1792,7 +1772,7 @@
           <a:p>
             <a:fld id="{2EEC2C92-656E-4FE5-8C48-1B96565DA995}" type="datetimeFigureOut">
               <a:rPr lang="zh-CN" altLang="en-US" smtClean="0"/>
-              <a:t>2021/1/23</a:t>
+              <a:t>2021/10/6</a:t>
             </a:fld>
             <a:endParaRPr lang="zh-CN" altLang="en-US"/>
           </a:p>
@@ -2037,7 +2017,7 @@
           <a:p>
             <a:fld id="{2EEC2C92-656E-4FE5-8C48-1B96565DA995}" type="datetimeFigureOut">
               <a:rPr lang="zh-CN" altLang="en-US" smtClean="0"/>
-              <a:t>2021/1/23</a:t>
+              <a:t>2021/10/6</a:t>
             </a:fld>
             <a:endParaRPr lang="zh-CN" altLang="en-US"/>
           </a:p>
@@ -2266,7 +2246,7 @@
           <a:p>
             <a:fld id="{2EEC2C92-656E-4FE5-8C48-1B96565DA995}" type="datetimeFigureOut">
               <a:rPr lang="zh-CN" altLang="en-US" smtClean="0"/>
-              <a:t>2021/1/23</a:t>
+              <a:t>2021/10/6</a:t>
             </a:fld>
             <a:endParaRPr lang="zh-CN" altLang="en-US"/>
           </a:p>
@@ -2630,7 +2610,7 @@
           <a:p>
             <a:fld id="{2EEC2C92-656E-4FE5-8C48-1B96565DA995}" type="datetimeFigureOut">
               <a:rPr lang="zh-CN" altLang="en-US" smtClean="0"/>
-              <a:t>2021/1/23</a:t>
+              <a:t>2021/10/6</a:t>
             </a:fld>
             <a:endParaRPr lang="zh-CN" altLang="en-US"/>
           </a:p>
@@ -2747,7 +2727,7 @@
           <a:p>
             <a:fld id="{2EEC2C92-656E-4FE5-8C48-1B96565DA995}" type="datetimeFigureOut">
               <a:rPr lang="zh-CN" altLang="en-US" smtClean="0"/>
-              <a:t>2021/1/23</a:t>
+              <a:t>2021/10/6</a:t>
             </a:fld>
             <a:endParaRPr lang="zh-CN" altLang="en-US"/>
           </a:p>
@@ -2842,7 +2822,7 @@
           <a:p>
             <a:fld id="{2EEC2C92-656E-4FE5-8C48-1B96565DA995}" type="datetimeFigureOut">
               <a:rPr lang="zh-CN" altLang="en-US" smtClean="0"/>
-              <a:t>2021/1/23</a:t>
+              <a:t>2021/10/6</a:t>
             </a:fld>
             <a:endParaRPr lang="zh-CN" altLang="en-US"/>
           </a:p>
@@ -3117,7 +3097,7 @@
           <a:p>
             <a:fld id="{2EEC2C92-656E-4FE5-8C48-1B96565DA995}" type="datetimeFigureOut">
               <a:rPr lang="zh-CN" altLang="en-US" smtClean="0"/>
-              <a:t>2021/1/23</a:t>
+              <a:t>2021/10/6</a:t>
             </a:fld>
             <a:endParaRPr lang="zh-CN" altLang="en-US"/>
           </a:p>
@@ -3369,7 +3349,7 @@
           <a:p>
             <a:fld id="{2EEC2C92-656E-4FE5-8C48-1B96565DA995}" type="datetimeFigureOut">
               <a:rPr lang="zh-CN" altLang="en-US" smtClean="0"/>
-              <a:t>2021/1/23</a:t>
+              <a:t>2021/10/6</a:t>
             </a:fld>
             <a:endParaRPr lang="zh-CN" altLang="en-US"/>
           </a:p>
@@ -3580,7 +3560,7 @@
           <a:p>
             <a:fld id="{2EEC2C92-656E-4FE5-8C48-1B96565DA995}" type="datetimeFigureOut">
               <a:rPr lang="zh-CN" altLang="en-US" smtClean="0"/>
-              <a:t>2021/1/23</a:t>
+              <a:t>2021/10/6</a:t>
             </a:fld>
             <a:endParaRPr lang="zh-CN" altLang="en-US"/>
           </a:p>
@@ -3992,7 +3972,7 @@
           <p:nvPr>
             <p:extLst>
               <p:ext uri="{D42A27DB-BD31-4B8C-83A1-F6EECF244321}">
-                <p14:modId xmlns:p14="http://schemas.microsoft.com/office/powerpoint/2010/main" val="3232934557"/>
+                <p14:modId xmlns:p14="http://schemas.microsoft.com/office/powerpoint/2010/main" val="2183290695"/>
               </p:ext>
             </p:extLst>
           </p:nvPr>

--- a/fig/evaluation2.pptx
+++ b/fig/evaluation2.pptx
@@ -163,13 +163,13 @@
               <c:strCache>
                 <c:ptCount val="4"/>
                 <c:pt idx="0">
-                  <c:v>Identity proof requesting</c:v>
+                  <c:v>Identity-token requesting</c:v>
                 </c:pt>
                 <c:pt idx="1">
-                  <c:v>Identity proof generation</c:v>
+                  <c:v>Identity-token generation</c:v>
                 </c:pt>
                 <c:pt idx="2">
-                  <c:v>Identity proof acceptance</c:v>
+                  <c:v>Identity-token acceptance</c:v>
                 </c:pt>
                 <c:pt idx="3">
                   <c:v>Total</c:v>
@@ -239,13 +239,13 @@
               <c:strCache>
                 <c:ptCount val="4"/>
                 <c:pt idx="0">
-                  <c:v>Identity proof requesting</c:v>
+                  <c:v>Identity-token requesting</c:v>
                 </c:pt>
                 <c:pt idx="1">
-                  <c:v>Identity proof generation</c:v>
+                  <c:v>Identity-token generation</c:v>
                 </c:pt>
                 <c:pt idx="2">
-                  <c:v>Identity proof acceptance</c:v>
+                  <c:v>Identity-token acceptance</c:v>
                 </c:pt>
                 <c:pt idx="3">
                   <c:v>Total</c:v>
@@ -317,13 +317,13 @@
               <c:strCache>
                 <c:ptCount val="4"/>
                 <c:pt idx="0">
-                  <c:v>Identity proof requesting</c:v>
+                  <c:v>Identity-token requesting</c:v>
                 </c:pt>
                 <c:pt idx="1">
-                  <c:v>Identity proof generation</c:v>
+                  <c:v>Identity-token generation</c:v>
                 </c:pt>
                 <c:pt idx="2">
-                  <c:v>Identity proof acceptance</c:v>
+                  <c:v>Identity-token acceptance</c:v>
                 </c:pt>
                 <c:pt idx="3">
                   <c:v>Total</c:v>
@@ -1258,7 +1258,7 @@
           <a:p>
             <a:fld id="{2EEC2C92-656E-4FE5-8C48-1B96565DA995}" type="datetimeFigureOut">
               <a:rPr lang="zh-CN" altLang="en-US" smtClean="0"/>
-              <a:t>2021/10/6</a:t>
+              <a:t>2021/10/13</a:t>
             </a:fld>
             <a:endParaRPr lang="zh-CN" altLang="en-US"/>
           </a:p>
@@ -1426,7 +1426,7 @@
           <a:p>
             <a:fld id="{2EEC2C92-656E-4FE5-8C48-1B96565DA995}" type="datetimeFigureOut">
               <a:rPr lang="zh-CN" altLang="en-US" smtClean="0"/>
-              <a:t>2021/10/6</a:t>
+              <a:t>2021/10/13</a:t>
             </a:fld>
             <a:endParaRPr lang="zh-CN" altLang="en-US"/>
           </a:p>
@@ -1604,7 +1604,7 @@
           <a:p>
             <a:fld id="{2EEC2C92-656E-4FE5-8C48-1B96565DA995}" type="datetimeFigureOut">
               <a:rPr lang="zh-CN" altLang="en-US" smtClean="0"/>
-              <a:t>2021/10/6</a:t>
+              <a:t>2021/10/13</a:t>
             </a:fld>
             <a:endParaRPr lang="zh-CN" altLang="en-US"/>
           </a:p>
@@ -1772,7 +1772,7 @@
           <a:p>
             <a:fld id="{2EEC2C92-656E-4FE5-8C48-1B96565DA995}" type="datetimeFigureOut">
               <a:rPr lang="zh-CN" altLang="en-US" smtClean="0"/>
-              <a:t>2021/10/6</a:t>
+              <a:t>2021/10/13</a:t>
             </a:fld>
             <a:endParaRPr lang="zh-CN" altLang="en-US"/>
           </a:p>
@@ -2017,7 +2017,7 @@
           <a:p>
             <a:fld id="{2EEC2C92-656E-4FE5-8C48-1B96565DA995}" type="datetimeFigureOut">
               <a:rPr lang="zh-CN" altLang="en-US" smtClean="0"/>
-              <a:t>2021/10/6</a:t>
+              <a:t>2021/10/13</a:t>
             </a:fld>
             <a:endParaRPr lang="zh-CN" altLang="en-US"/>
           </a:p>
@@ -2246,7 +2246,7 @@
           <a:p>
             <a:fld id="{2EEC2C92-656E-4FE5-8C48-1B96565DA995}" type="datetimeFigureOut">
               <a:rPr lang="zh-CN" altLang="en-US" smtClean="0"/>
-              <a:t>2021/10/6</a:t>
+              <a:t>2021/10/13</a:t>
             </a:fld>
             <a:endParaRPr lang="zh-CN" altLang="en-US"/>
           </a:p>
@@ -2610,7 +2610,7 @@
           <a:p>
             <a:fld id="{2EEC2C92-656E-4FE5-8C48-1B96565DA995}" type="datetimeFigureOut">
               <a:rPr lang="zh-CN" altLang="en-US" smtClean="0"/>
-              <a:t>2021/10/6</a:t>
+              <a:t>2021/10/13</a:t>
             </a:fld>
             <a:endParaRPr lang="zh-CN" altLang="en-US"/>
           </a:p>
@@ -2727,7 +2727,7 @@
           <a:p>
             <a:fld id="{2EEC2C92-656E-4FE5-8C48-1B96565DA995}" type="datetimeFigureOut">
               <a:rPr lang="zh-CN" altLang="en-US" smtClean="0"/>
-              <a:t>2021/10/6</a:t>
+              <a:t>2021/10/13</a:t>
             </a:fld>
             <a:endParaRPr lang="zh-CN" altLang="en-US"/>
           </a:p>
@@ -2822,7 +2822,7 @@
           <a:p>
             <a:fld id="{2EEC2C92-656E-4FE5-8C48-1B96565DA995}" type="datetimeFigureOut">
               <a:rPr lang="zh-CN" altLang="en-US" smtClean="0"/>
-              <a:t>2021/10/6</a:t>
+              <a:t>2021/10/13</a:t>
             </a:fld>
             <a:endParaRPr lang="zh-CN" altLang="en-US"/>
           </a:p>
@@ -3097,7 +3097,7 @@
           <a:p>
             <a:fld id="{2EEC2C92-656E-4FE5-8C48-1B96565DA995}" type="datetimeFigureOut">
               <a:rPr lang="zh-CN" altLang="en-US" smtClean="0"/>
-              <a:t>2021/10/6</a:t>
+              <a:t>2021/10/13</a:t>
             </a:fld>
             <a:endParaRPr lang="zh-CN" altLang="en-US"/>
           </a:p>
@@ -3349,7 +3349,7 @@
           <a:p>
             <a:fld id="{2EEC2C92-656E-4FE5-8C48-1B96565DA995}" type="datetimeFigureOut">
               <a:rPr lang="zh-CN" altLang="en-US" smtClean="0"/>
-              <a:t>2021/10/6</a:t>
+              <a:t>2021/10/13</a:t>
             </a:fld>
             <a:endParaRPr lang="zh-CN" altLang="en-US"/>
           </a:p>
@@ -3560,7 +3560,7 @@
           <a:p>
             <a:fld id="{2EEC2C92-656E-4FE5-8C48-1B96565DA995}" type="datetimeFigureOut">
               <a:rPr lang="zh-CN" altLang="en-US" smtClean="0"/>
-              <a:t>2021/10/6</a:t>
+              <a:t>2021/10/13</a:t>
             </a:fld>
             <a:endParaRPr lang="zh-CN" altLang="en-US"/>
           </a:p>
@@ -3972,7 +3972,7 @@
           <p:nvPr>
             <p:extLst>
               <p:ext uri="{D42A27DB-BD31-4B8C-83A1-F6EECF244321}">
-                <p14:modId xmlns:p14="http://schemas.microsoft.com/office/powerpoint/2010/main" val="2183290695"/>
+                <p14:modId xmlns:p14="http://schemas.microsoft.com/office/powerpoint/2010/main" val="1521010940"/>
               </p:ext>
             </p:extLst>
           </p:nvPr>
